--- a/Disertatie.pptx
+++ b/Disertatie.pptx
@@ -104,6 +104,11 @@
       </a:defRPr>
     </a:lvl9pPr>
   </p:defaultTextStyle>
+  <p:extLst>
+    <p:ext uri="{EFAFB233-063F-42B5-8137-9DF3F51BA10A}">
+      <p15:sldGuideLst xmlns:p15="http://schemas.microsoft.com/office/powerpoint/2012/main"/>
+    </p:ext>
+  </p:extLst>
 </p:presentation>
 </file>
 
@@ -254,7 +259,7 @@
           <a:p>
             <a:fld id="{C58CDCF9-7AF0-4C83-B794-0F1B8584E2C1}" type="datetimeFigureOut">
               <a:rPr lang="en-US" smtClean="0"/>
-              <a:t>11/19/2025</a:t>
+              <a:t>12/3/2025</a:t>
             </a:fld>
             <a:endParaRPr lang="en-US"/>
           </a:p>
@@ -452,7 +457,7 @@
           <a:p>
             <a:fld id="{C58CDCF9-7AF0-4C83-B794-0F1B8584E2C1}" type="datetimeFigureOut">
               <a:rPr lang="en-US" smtClean="0"/>
-              <a:t>11/19/2025</a:t>
+              <a:t>12/3/2025</a:t>
             </a:fld>
             <a:endParaRPr lang="en-US"/>
           </a:p>
@@ -660,7 +665,7 @@
           <a:p>
             <a:fld id="{C58CDCF9-7AF0-4C83-B794-0F1B8584E2C1}" type="datetimeFigureOut">
               <a:rPr lang="en-US" smtClean="0"/>
-              <a:t>11/19/2025</a:t>
+              <a:t>12/3/2025</a:t>
             </a:fld>
             <a:endParaRPr lang="en-US"/>
           </a:p>
@@ -858,7 +863,7 @@
           <a:p>
             <a:fld id="{C58CDCF9-7AF0-4C83-B794-0F1B8584E2C1}" type="datetimeFigureOut">
               <a:rPr lang="en-US" smtClean="0"/>
-              <a:t>11/19/2025</a:t>
+              <a:t>12/3/2025</a:t>
             </a:fld>
             <a:endParaRPr lang="en-US"/>
           </a:p>
@@ -1133,7 +1138,7 @@
           <a:p>
             <a:fld id="{C58CDCF9-7AF0-4C83-B794-0F1B8584E2C1}" type="datetimeFigureOut">
               <a:rPr lang="en-US" smtClean="0"/>
-              <a:t>11/19/2025</a:t>
+              <a:t>12/3/2025</a:t>
             </a:fld>
             <a:endParaRPr lang="en-US"/>
           </a:p>
@@ -1398,7 +1403,7 @@
           <a:p>
             <a:fld id="{C58CDCF9-7AF0-4C83-B794-0F1B8584E2C1}" type="datetimeFigureOut">
               <a:rPr lang="en-US" smtClean="0"/>
-              <a:t>11/19/2025</a:t>
+              <a:t>12/3/2025</a:t>
             </a:fld>
             <a:endParaRPr lang="en-US"/>
           </a:p>
@@ -1810,7 +1815,7 @@
           <a:p>
             <a:fld id="{C58CDCF9-7AF0-4C83-B794-0F1B8584E2C1}" type="datetimeFigureOut">
               <a:rPr lang="en-US" smtClean="0"/>
-              <a:t>11/19/2025</a:t>
+              <a:t>12/3/2025</a:t>
             </a:fld>
             <a:endParaRPr lang="en-US"/>
           </a:p>
@@ -1951,7 +1956,7 @@
           <a:p>
             <a:fld id="{C58CDCF9-7AF0-4C83-B794-0F1B8584E2C1}" type="datetimeFigureOut">
               <a:rPr lang="en-US" smtClean="0"/>
-              <a:t>11/19/2025</a:t>
+              <a:t>12/3/2025</a:t>
             </a:fld>
             <a:endParaRPr lang="en-US"/>
           </a:p>
@@ -2064,7 +2069,7 @@
           <a:p>
             <a:fld id="{C58CDCF9-7AF0-4C83-B794-0F1B8584E2C1}" type="datetimeFigureOut">
               <a:rPr lang="en-US" smtClean="0"/>
-              <a:t>11/19/2025</a:t>
+              <a:t>12/3/2025</a:t>
             </a:fld>
             <a:endParaRPr lang="en-US"/>
           </a:p>
@@ -2375,7 +2380,7 @@
           <a:p>
             <a:fld id="{C58CDCF9-7AF0-4C83-B794-0F1B8584E2C1}" type="datetimeFigureOut">
               <a:rPr lang="en-US" smtClean="0"/>
-              <a:t>11/19/2025</a:t>
+              <a:t>12/3/2025</a:t>
             </a:fld>
             <a:endParaRPr lang="en-US"/>
           </a:p>
@@ -2663,7 +2668,7 @@
           <a:p>
             <a:fld id="{C58CDCF9-7AF0-4C83-B794-0F1B8584E2C1}" type="datetimeFigureOut">
               <a:rPr lang="en-US" smtClean="0"/>
-              <a:t>11/19/2025</a:t>
+              <a:t>12/3/2025</a:t>
             </a:fld>
             <a:endParaRPr lang="en-US"/>
           </a:p>
@@ -2904,7 +2909,7 @@
           <a:p>
             <a:fld id="{C58CDCF9-7AF0-4C83-B794-0F1B8584E2C1}" type="datetimeFigureOut">
               <a:rPr lang="en-US" smtClean="0"/>
-              <a:t>11/19/2025</a:t>
+              <a:t>12/3/2025</a:t>
             </a:fld>
             <a:endParaRPr lang="en-US"/>
           </a:p>
@@ -3343,7 +3348,7 @@
         </p:blipFill>
         <p:spPr>
           <a:xfrm>
-            <a:off x="1602377" y="2523307"/>
+            <a:off x="1754776" y="2614748"/>
             <a:ext cx="1628503" cy="1628503"/>
           </a:xfrm>
           <a:prstGeom prst="rect">
@@ -3351,6 +3356,41 @@
           </a:prstGeom>
         </p:spPr>
       </p:pic>
+      <p:sp>
+        <p:nvSpPr>
+          <p:cNvPr id="2" name="TextBox 1">
+            <a:extLst>
+              <a:ext uri="{FF2B5EF4-FFF2-40B4-BE49-F238E27FC236}">
+                <a16:creationId xmlns:a16="http://schemas.microsoft.com/office/drawing/2014/main" id="{569920AC-3D9C-46B3-6EA3-DC006F47D6E7}"/>
+              </a:ext>
+            </a:extLst>
+          </p:cNvPr>
+          <p:cNvSpPr txBox="1"/>
+          <p:nvPr/>
+        </p:nvSpPr>
+        <p:spPr>
+          <a:xfrm>
+            <a:off x="0" y="6488668"/>
+            <a:ext cx="5138057" cy="369332"/>
+          </a:xfrm>
+          <a:prstGeom prst="rect">
+            <a:avLst/>
+          </a:prstGeom>
+          <a:noFill/>
+        </p:spPr>
+        <p:txBody>
+          <a:bodyPr wrap="square" rtlCol="0">
+            <a:spAutoFit/>
+          </a:bodyPr>
+          <a:lstStyle/>
+          <a:p>
+            <a:r>
+              <a:rPr lang="en-US" dirty="0"/>
+              <a:t>https://wiki.alpinelinux.org/wiki/Raspberry_Pi</a:t>
+            </a:r>
+          </a:p>
+        </p:txBody>
+      </p:sp>
     </p:spTree>
     <p:extLst>
       <p:ext uri="{BB962C8B-B14F-4D97-AF65-F5344CB8AC3E}">

--- a/Disertatie.pptx
+++ b/Disertatie.pptx
@@ -3370,7 +3370,7 @@
         </p:nvSpPr>
         <p:spPr>
           <a:xfrm>
-            <a:off x="0" y="6488668"/>
+            <a:off x="7350034" y="6488668"/>
             <a:ext cx="5138057" cy="369332"/>
           </a:xfrm>
           <a:prstGeom prst="rect">
@@ -3387,6 +3387,47 @@
             <a:r>
               <a:rPr lang="en-US" dirty="0"/>
               <a:t>https://wiki.alpinelinux.org/wiki/Raspberry_Pi</a:t>
+            </a:r>
+          </a:p>
+        </p:txBody>
+      </p:sp>
+      <p:sp>
+        <p:nvSpPr>
+          <p:cNvPr id="3" name="TextBox 2">
+            <a:extLst>
+              <a:ext uri="{FF2B5EF4-FFF2-40B4-BE49-F238E27FC236}">
+                <a16:creationId xmlns:a16="http://schemas.microsoft.com/office/drawing/2014/main" id="{DEA45A43-262E-7FEE-1B67-2353011522B7}"/>
+              </a:ext>
+            </a:extLst>
+          </p:cNvPr>
+          <p:cNvSpPr txBox="1"/>
+          <p:nvPr/>
+        </p:nvSpPr>
+        <p:spPr>
+          <a:xfrm>
+            <a:off x="0" y="6488668"/>
+            <a:ext cx="7315200" cy="369332"/>
+          </a:xfrm>
+          <a:prstGeom prst="rect">
+            <a:avLst/>
+          </a:prstGeom>
+          <a:noFill/>
+        </p:spPr>
+        <p:txBody>
+          <a:bodyPr wrap="square" rtlCol="0">
+            <a:spAutoFit/>
+          </a:bodyPr>
+          <a:lstStyle/>
+          <a:p>
+            <a:r>
+              <a:rPr lang="en-US" dirty="0">
+                <a:hlinkClick r:id="rId3"/>
+              </a:rPr>
+              <a:t>https://tilde.town/~kzimmermann/articles/alpine_linux_desktop.html</a:t>
+            </a:r>
+            <a:r>
+              <a:rPr lang="en-US" dirty="0"/>
+              <a:t>      -&gt;</a:t>
             </a:r>
           </a:p>
         </p:txBody>
